--- a/doc/开题报告/开题报告.pptx
+++ b/doc/开题报告/开题报告.pptx
@@ -1,24 +1,27 @@
 
 <file path=ppt/presentation.xml><?xml version="1.0" encoding="utf-8"?>
-<p:presentation xmlns:a="http://schemas.openxmlformats.org/drawingml/2006/main" xmlns:r="http://schemas.openxmlformats.org/officeDocument/2006/relationships" xmlns:p="http://schemas.openxmlformats.org/presentationml/2006/main" saveSubsetFonts="1" autoCompressPictures="0">
+<p:presentation xmlns:a="http://schemas.openxmlformats.org/drawingml/2006/main" xmlns:r="http://schemas.openxmlformats.org/officeDocument/2006/relationships" xmlns:p="http://schemas.openxmlformats.org/presentationml/2006/main" autoCompressPictures="0">
   <p:sldMasterIdLst>
     <p:sldMasterId id="2147483648" r:id="rId1"/>
   </p:sldMasterIdLst>
+  <p:notesMasterIdLst>
+    <p:notesMasterId r:id="rId4"/>
+  </p:notesMasterIdLst>
   <p:sldIdLst>
-    <p:sldId id="256" r:id="rId2"/>
-    <p:sldId id="257" r:id="rId3"/>
-    <p:sldId id="258" r:id="rId4"/>
-    <p:sldId id="259" r:id="rId5"/>
-    <p:sldId id="260" r:id="rId6"/>
-    <p:sldId id="261" r:id="rId7"/>
-    <p:sldId id="262" r:id="rId8"/>
-    <p:sldId id="263" r:id="rId9"/>
+    <p:sldId id="256" r:id="rId3"/>
+    <p:sldId id="257" r:id="rId5"/>
+    <p:sldId id="258" r:id="rId6"/>
+    <p:sldId id="259" r:id="rId7"/>
+    <p:sldId id="260" r:id="rId8"/>
+    <p:sldId id="261" r:id="rId9"/>
+    <p:sldId id="262" r:id="rId10"/>
+    <p:sldId id="263" r:id="rId11"/>
   </p:sldIdLst>
-  <p:notesMasterIdLst>
-    <p:notesMasterId r:id="rId10"/>
-  </p:notesMasterIdLst>
   <p:sldSz cx="14630400" cy="8229600"/>
   <p:notesSz cx="8229600" cy="14630400"/>
+  <p:custDataLst>
+    <p:tags r:id="rId15"/>
+  </p:custDataLst>
   <p:defaultTextStyle>
     <a:lvl1pPr marL="0" algn="l" defTabSz="914400" rtl="0" eaLnBrk="1" latinLnBrk="0" hangingPunct="1">
       <a:defRPr sz="1800" kern="1200">
@@ -196,7 +199,6 @@
           <a:p>
             <a:fld id="{5282F153-3F37-0F45-9E97-73ACFA13230C}" type="datetimeFigureOut">
               <a:rPr lang="en-US"/>
-              <a:t>7/23/19</a:t>
             </a:fld>
             <a:endParaRPr lang="en-US"/>
           </a:p>
@@ -263,6 +265,7 @@
               <a:rPr lang="en-US"/>
               <a:t>Click to edit Master text styles</a:t>
             </a:r>
+            <a:endParaRPr lang="en-US"/>
           </a:p>
           <a:p>
             <a:pPr lvl="1"/>
@@ -270,6 +273,7 @@
               <a:rPr lang="en-US"/>
               <a:t>Second level</a:t>
             </a:r>
+            <a:endParaRPr lang="en-US"/>
           </a:p>
           <a:p>
             <a:pPr lvl="2"/>
@@ -277,6 +281,7 @@
               <a:rPr lang="en-US"/>
               <a:t>Third level</a:t>
             </a:r>
+            <a:endParaRPr lang="en-US"/>
           </a:p>
           <a:p>
             <a:pPr lvl="3"/>
@@ -284,6 +289,7 @@
               <a:rPr lang="en-US"/>
               <a:t>Fourth level</a:t>
             </a:r>
+            <a:endParaRPr lang="en-US"/>
           </a:p>
           <a:p>
             <a:pPr lvl="4"/>
@@ -291,6 +297,7 @@
               <a:rPr lang="en-US"/>
               <a:t>Fifth level</a:t>
             </a:r>
+            <a:endParaRPr lang="en-US"/>
           </a:p>
         </p:txBody>
       </p:sp>
@@ -354,18 +361,12 @@
           <a:p>
             <a:fld id="{CE5E9CC1-C706-0F49-92D6-E571CC5EEA8F}" type="slidenum">
               <a:rPr lang="en-US"/>
-              <a:t>‹#›</a:t>
             </a:fld>
             <a:endParaRPr lang="en-US"/>
           </a:p>
         </p:txBody>
       </p:sp>
     </p:spTree>
-    <p:extLst>
-      <p:ext uri="{BB962C8B-B14F-4D97-AF65-F5344CB8AC3E}">
-        <p14:creationId xmlns:p14="http://schemas.microsoft.com/office/powerpoint/2010/main" val="1024086991"/>
-      </p:ext>
-    </p:extLst>
   </p:cSld>
   <p:clrMap bg1="lt1" tx1="dk1" bg2="lt2" tx2="dk2" accent1="accent1" accent2="accent2" accent3="accent3" accent4="accent4" accent5="accent5" accent6="accent6" hlink="hlink" folHlink="folHlink"/>
   <p:notesStyle>
@@ -507,10 +508,6 @@
           <a:bodyPr/>
           <a:lstStyle/>
           <a:p>
-            <a:r>
-              <a:rPr lang="en-US" dirty="0"/>
-              <a:t/>
-            </a:r>
             <a:endParaRPr lang="en-US" dirty="0"/>
           </a:p>
         </p:txBody>
@@ -532,18 +529,12 @@
           <a:p>
             <a:fld id="{F7021451-1387-4CA6-816F-3879F97B5CBC}" type="slidenum">
               <a:rPr lang="en-US"/>
-              <a:t>1</a:t>
             </a:fld>
             <a:endParaRPr lang="en-US"/>
           </a:p>
         </p:txBody>
       </p:sp>
     </p:spTree>
-    <p:extLst>
-      <p:ext uri="{BB962C8B-B14F-4D97-AF65-F5344CB8AC3E}">
-        <p14:creationId xmlns:p14="http://schemas.microsoft.com/office/powerpoint/2010/main" val="1024086991"/>
-      </p:ext>
-    </p:extLst>
   </p:cSld>
   <p:clrMapOvr>
     <a:masterClrMapping/>
@@ -595,10 +586,6 @@
           <a:bodyPr/>
           <a:lstStyle/>
           <a:p>
-            <a:r>
-              <a:rPr lang="en-US" dirty="0"/>
-              <a:t/>
-            </a:r>
             <a:endParaRPr lang="en-US" dirty="0"/>
           </a:p>
         </p:txBody>
@@ -620,18 +607,12 @@
           <a:p>
             <a:fld id="{F7021451-1387-4CA6-816F-3879F97B5CBC}" type="slidenum">
               <a:rPr lang="en-US"/>
-              <a:t>2</a:t>
             </a:fld>
             <a:endParaRPr lang="en-US"/>
           </a:p>
         </p:txBody>
       </p:sp>
     </p:spTree>
-    <p:extLst>
-      <p:ext uri="{BB962C8B-B14F-4D97-AF65-F5344CB8AC3E}">
-        <p14:creationId xmlns:p14="http://schemas.microsoft.com/office/powerpoint/2010/main" val="1024086991"/>
-      </p:ext>
-    </p:extLst>
   </p:cSld>
   <p:clrMapOvr>
     <a:masterClrMapping/>
@@ -683,10 +664,6 @@
           <a:bodyPr/>
           <a:lstStyle/>
           <a:p>
-            <a:r>
-              <a:rPr lang="en-US" dirty="0"/>
-              <a:t/>
-            </a:r>
             <a:endParaRPr lang="en-US" dirty="0"/>
           </a:p>
         </p:txBody>
@@ -708,18 +685,12 @@
           <a:p>
             <a:fld id="{F7021451-1387-4CA6-816F-3879F97B5CBC}" type="slidenum">
               <a:rPr lang="en-US"/>
-              <a:t>3</a:t>
             </a:fld>
             <a:endParaRPr lang="en-US"/>
           </a:p>
         </p:txBody>
       </p:sp>
     </p:spTree>
-    <p:extLst>
-      <p:ext uri="{BB962C8B-B14F-4D97-AF65-F5344CB8AC3E}">
-        <p14:creationId xmlns:p14="http://schemas.microsoft.com/office/powerpoint/2010/main" val="1024086991"/>
-      </p:ext>
-    </p:extLst>
   </p:cSld>
   <p:clrMapOvr>
     <a:masterClrMapping/>
@@ -771,10 +742,6 @@
           <a:bodyPr/>
           <a:lstStyle/>
           <a:p>
-            <a:r>
-              <a:rPr lang="en-US" dirty="0"/>
-              <a:t/>
-            </a:r>
             <a:endParaRPr lang="en-US" dirty="0"/>
           </a:p>
         </p:txBody>
@@ -796,18 +763,12 @@
           <a:p>
             <a:fld id="{F7021451-1387-4CA6-816F-3879F97B5CBC}" type="slidenum">
               <a:rPr lang="en-US"/>
-              <a:t>4</a:t>
             </a:fld>
             <a:endParaRPr lang="en-US"/>
           </a:p>
         </p:txBody>
       </p:sp>
     </p:spTree>
-    <p:extLst>
-      <p:ext uri="{BB962C8B-B14F-4D97-AF65-F5344CB8AC3E}">
-        <p14:creationId xmlns:p14="http://schemas.microsoft.com/office/powerpoint/2010/main" val="1024086991"/>
-      </p:ext>
-    </p:extLst>
   </p:cSld>
   <p:clrMapOvr>
     <a:masterClrMapping/>
@@ -859,10 +820,6 @@
           <a:bodyPr/>
           <a:lstStyle/>
           <a:p>
-            <a:r>
-              <a:rPr lang="en-US" dirty="0"/>
-              <a:t/>
-            </a:r>
             <a:endParaRPr lang="en-US" dirty="0"/>
           </a:p>
         </p:txBody>
@@ -884,18 +841,12 @@
           <a:p>
             <a:fld id="{F7021451-1387-4CA6-816F-3879F97B5CBC}" type="slidenum">
               <a:rPr lang="en-US"/>
-              <a:t>5</a:t>
             </a:fld>
             <a:endParaRPr lang="en-US"/>
           </a:p>
         </p:txBody>
       </p:sp>
     </p:spTree>
-    <p:extLst>
-      <p:ext uri="{BB962C8B-B14F-4D97-AF65-F5344CB8AC3E}">
-        <p14:creationId xmlns:p14="http://schemas.microsoft.com/office/powerpoint/2010/main" val="1024086991"/>
-      </p:ext>
-    </p:extLst>
   </p:cSld>
   <p:clrMapOvr>
     <a:masterClrMapping/>
@@ -947,10 +898,6 @@
           <a:bodyPr/>
           <a:lstStyle/>
           <a:p>
-            <a:r>
-              <a:rPr lang="en-US" dirty="0"/>
-              <a:t/>
-            </a:r>
             <a:endParaRPr lang="en-US" dirty="0"/>
           </a:p>
         </p:txBody>
@@ -972,18 +919,12 @@
           <a:p>
             <a:fld id="{F7021451-1387-4CA6-816F-3879F97B5CBC}" type="slidenum">
               <a:rPr lang="en-US"/>
-              <a:t>6</a:t>
             </a:fld>
             <a:endParaRPr lang="en-US"/>
           </a:p>
         </p:txBody>
       </p:sp>
     </p:spTree>
-    <p:extLst>
-      <p:ext uri="{BB962C8B-B14F-4D97-AF65-F5344CB8AC3E}">
-        <p14:creationId xmlns:p14="http://schemas.microsoft.com/office/powerpoint/2010/main" val="1024086991"/>
-      </p:ext>
-    </p:extLst>
   </p:cSld>
   <p:clrMapOvr>
     <a:masterClrMapping/>
@@ -1035,10 +976,6 @@
           <a:bodyPr/>
           <a:lstStyle/>
           <a:p>
-            <a:r>
-              <a:rPr lang="en-US" dirty="0"/>
-              <a:t/>
-            </a:r>
             <a:endParaRPr lang="en-US" dirty="0"/>
           </a:p>
         </p:txBody>
@@ -1060,18 +997,12 @@
           <a:p>
             <a:fld id="{F7021451-1387-4CA6-816F-3879F97B5CBC}" type="slidenum">
               <a:rPr lang="en-US"/>
-              <a:t>7</a:t>
             </a:fld>
             <a:endParaRPr lang="en-US"/>
           </a:p>
         </p:txBody>
       </p:sp>
     </p:spTree>
-    <p:extLst>
-      <p:ext uri="{BB962C8B-B14F-4D97-AF65-F5344CB8AC3E}">
-        <p14:creationId xmlns:p14="http://schemas.microsoft.com/office/powerpoint/2010/main" val="1024086991"/>
-      </p:ext>
-    </p:extLst>
   </p:cSld>
   <p:clrMapOvr>
     <a:masterClrMapping/>
@@ -1123,10 +1054,6 @@
           <a:bodyPr/>
           <a:lstStyle/>
           <a:p>
-            <a:r>
-              <a:rPr lang="en-US" dirty="0"/>
-              <a:t/>
-            </a:r>
             <a:endParaRPr lang="en-US" dirty="0"/>
           </a:p>
         </p:txBody>
@@ -1148,18 +1075,12 @@
           <a:p>
             <a:fld id="{F7021451-1387-4CA6-816F-3879F97B5CBC}" type="slidenum">
               <a:rPr lang="en-US"/>
-              <a:t>8</a:t>
             </a:fld>
             <a:endParaRPr lang="en-US"/>
           </a:p>
         </p:txBody>
       </p:sp>
     </p:spTree>
-    <p:extLst>
-      <p:ext uri="{BB962C8B-B14F-4D97-AF65-F5344CB8AC3E}">
-        <p14:creationId xmlns:p14="http://schemas.microsoft.com/office/powerpoint/2010/main" val="1024086991"/>
-      </p:ext>
-    </p:extLst>
   </p:cSld>
   <p:clrMapOvr>
     <a:masterClrMapping/>
@@ -1200,6 +1121,11 @@
 <file path=ppt/slideMasters/slideMaster1.xml><?xml version="1.0" encoding="utf-8"?>
 <p:sldMaster xmlns:a="http://schemas.openxmlformats.org/drawingml/2006/main" xmlns:r="http://schemas.openxmlformats.org/officeDocument/2006/relationships" xmlns:p="http://schemas.openxmlformats.org/presentationml/2006/main">
   <p:cSld>
+    <p:bg>
+      <p:bgRef idx="1001">
+        <a:schemeClr val="bg1"/>
+      </p:bgRef>
+    </p:bg>
     <p:spTree>
       <p:nvGrpSpPr>
         <p:cNvPr id="1" name=""/>
@@ -1243,7 +1169,7 @@
         <a:spcBef>
           <a:spcPct val="20000"/>
         </a:spcBef>
-        <a:buFont typeface="Arial" pitchFamily="34" charset="0"/>
+        <a:buFont typeface="Arial" panose="020B0604020202020204" pitchFamily="34" charset="0"/>
         <a:buChar char="•"/>
         <a:defRPr sz="3200" kern="1200">
           <a:solidFill>
@@ -1258,7 +1184,7 @@
         <a:spcBef>
           <a:spcPct val="20000"/>
         </a:spcBef>
-        <a:buFont typeface="Arial" pitchFamily="34" charset="0"/>
+        <a:buFont typeface="Arial" panose="020B0604020202020204" pitchFamily="34" charset="0"/>
         <a:buChar char="–"/>
         <a:defRPr sz="2800" kern="1200">
           <a:solidFill>
@@ -1273,7 +1199,7 @@
         <a:spcBef>
           <a:spcPct val="20000"/>
         </a:spcBef>
-        <a:buFont typeface="Arial" pitchFamily="34" charset="0"/>
+        <a:buFont typeface="Arial" panose="020B0604020202020204" pitchFamily="34" charset="0"/>
         <a:buChar char="•"/>
         <a:defRPr sz="2400" kern="1200">
           <a:solidFill>
@@ -1288,7 +1214,7 @@
         <a:spcBef>
           <a:spcPct val="20000"/>
         </a:spcBef>
-        <a:buFont typeface="Arial" pitchFamily="34" charset="0"/>
+        <a:buFont typeface="Arial" panose="020B0604020202020204" pitchFamily="34" charset="0"/>
         <a:buChar char="–"/>
         <a:defRPr sz="2000" kern="1200">
           <a:solidFill>
@@ -1303,7 +1229,7 @@
         <a:spcBef>
           <a:spcPct val="20000"/>
         </a:spcBef>
-        <a:buFont typeface="Arial" pitchFamily="34" charset="0"/>
+        <a:buFont typeface="Arial" panose="020B0604020202020204" pitchFamily="34" charset="0"/>
         <a:buChar char="»"/>
         <a:defRPr sz="2000" kern="1200">
           <a:solidFill>
@@ -1318,7 +1244,7 @@
         <a:spcBef>
           <a:spcPct val="20000"/>
         </a:spcBef>
-        <a:buFont typeface="Arial" pitchFamily="34" charset="0"/>
+        <a:buFont typeface="Arial" panose="020B0604020202020204" pitchFamily="34" charset="0"/>
         <a:buChar char="•"/>
         <a:defRPr sz="2000" kern="1200">
           <a:solidFill>
@@ -1333,7 +1259,7 @@
         <a:spcBef>
           <a:spcPct val="20000"/>
         </a:spcBef>
-        <a:buFont typeface="Arial" pitchFamily="34" charset="0"/>
+        <a:buFont typeface="Arial" panose="020B0604020202020204" pitchFamily="34" charset="0"/>
         <a:buChar char="•"/>
         <a:defRPr sz="2000" kern="1200">
           <a:solidFill>
@@ -1348,7 +1274,7 @@
         <a:spcBef>
           <a:spcPct val="20000"/>
         </a:spcBef>
-        <a:buFont typeface="Arial" pitchFamily="34" charset="0"/>
+        <a:buFont typeface="Arial" panose="020B0604020202020204" pitchFamily="34" charset="0"/>
         <a:buChar char="•"/>
         <a:defRPr sz="2000" kern="1200">
           <a:solidFill>
@@ -1363,7 +1289,7 @@
         <a:spcBef>
           <a:spcPct val="20000"/>
         </a:spcBef>
-        <a:buFont typeface="Arial" pitchFamily="34" charset="0"/>
+        <a:buFont typeface="Arial" panose="020B0604020202020204" pitchFamily="34" charset="0"/>
         <a:buChar char="•"/>
         <a:defRPr sz="2000" kern="1200">
           <a:solidFill>
@@ -1476,7 +1402,7 @@
 
 <file path=ppt/slides/slide1.xml><?xml version="1.0" encoding="utf-8"?>
 <p:sld xmlns:a="http://schemas.openxmlformats.org/drawingml/2006/main" xmlns:r="http://schemas.openxmlformats.org/officeDocument/2006/relationships" xmlns:p="http://schemas.openxmlformats.org/presentationml/2006/main">
-  <p:cSld name="Slide 1">
+  <p:cSld>
     <p:spTree>
       <p:nvGrpSpPr>
         <p:cNvPr id="1" name=""/>
@@ -1508,7 +1434,6 @@
           <a:solidFill>
             <a:srgbClr val="AABCB6"/>
           </a:solidFill>
-          <a:ln/>
         </p:spPr>
       </p:sp>
       <p:sp>
@@ -1528,7 +1453,6 @@
           <a:solidFill>
             <a:srgbClr val="FFF8F0"/>
           </a:solidFill>
-          <a:ln/>
         </p:spPr>
       </p:sp>
       <p:sp>
@@ -1546,20 +1470,19 @@
             <a:avLst/>
           </a:prstGeom>
           <a:noFill/>
-          <a:ln/>
         </p:spPr>
         <p:txBody>
           <a:bodyPr wrap="none" rtlCol="0" anchor="t"/>
           <a:lstStyle/>
           <a:p>
-            <a:pPr indent="0" marL="0">
+            <a:pPr marL="0" indent="0" algn="l">
               <a:lnSpc>
-                <a:spcPts val="6561"/>
+                <a:spcPts val="6560"/>
               </a:lnSpc>
               <a:buNone/>
             </a:pPr>
             <a:r>
-              <a:rPr lang="en-US" sz="5249" spc="-157" kern="0" dirty="0">
+              <a:rPr lang="en-US" sz="5250" kern="0" spc="-157" dirty="0">
                 <a:solidFill>
                   <a:srgbClr val="2C3F42"/>
                 </a:solidFill>
@@ -1567,16 +1490,50 @@
                 <a:ea typeface="Bitter" pitchFamily="34" charset="-122"/>
                 <a:cs typeface="Bitter" pitchFamily="34" charset="-120"/>
               </a:rPr>
-              <a:t>医院网约挂号及病历管理APP</a:t>
+              <a:t>基于分布式微服务的预约挂号统一平台</a:t>
             </a:r>
-            <a:endParaRPr lang="en-US" sz="5249" dirty="0"/>
+            <a:endParaRPr lang="en-US" sz="5250" kern="0" spc="-157" dirty="0">
+              <a:solidFill>
+                <a:srgbClr val="2C3F42"/>
+              </a:solidFill>
+              <a:latin typeface="Bitter" pitchFamily="34" charset="0"/>
+              <a:ea typeface="Bitter" pitchFamily="34" charset="-122"/>
+              <a:cs typeface="Bitter" pitchFamily="34" charset="-120"/>
+            </a:endParaRPr>
+          </a:p>
+          <a:p>
+            <a:pPr marL="0" indent="0" algn="l">
+              <a:lnSpc>
+                <a:spcPts val="6560"/>
+              </a:lnSpc>
+              <a:buNone/>
+            </a:pPr>
+            <a:r>
+              <a:rPr lang="en-US" sz="5250" kern="0" spc="-157" dirty="0">
+                <a:solidFill>
+                  <a:srgbClr val="2C3F42"/>
+                </a:solidFill>
+                <a:latin typeface="Bitter" pitchFamily="34" charset="0"/>
+                <a:ea typeface="Bitter" pitchFamily="34" charset="-122"/>
+                <a:cs typeface="Bitter" pitchFamily="34" charset="-120"/>
+              </a:rPr>
+              <a:t>的设计与实现</a:t>
+            </a:r>
+            <a:endParaRPr lang="en-US" sz="5250" kern="0" spc="-157" dirty="0">
+              <a:solidFill>
+                <a:srgbClr val="2C3F42"/>
+              </a:solidFill>
+              <a:latin typeface="Bitter" pitchFamily="34" charset="0"/>
+              <a:ea typeface="Bitter" pitchFamily="34" charset="-122"/>
+              <a:cs typeface="Bitter" pitchFamily="34" charset="-120"/>
+            </a:endParaRPr>
           </a:p>
         </p:txBody>
       </p:sp>
       <p:pic>
         <p:nvPicPr>
           <p:cNvPr id="5" name="Image 0" descr="preencoded.png">
-            <a:hlinkClick r:id="rId2" tooltip=""/>
+            <a:hlinkClick r:id="rId1"/>
           </p:cNvPr>
           <p:cNvPicPr>
             <a:picLocks noChangeAspect="1"/>
@@ -1584,7 +1541,7 @@
           <p:nvPr/>
         </p:nvPicPr>
         <p:blipFill>
-          <a:blip r:embed="rId1"/>
+          <a:blip r:embed="rId2"/>
           <a:stretch>
             <a:fillRect/>
           </a:stretch>
@@ -1609,7 +1566,7 @@
 
 <file path=ppt/slides/slide2.xml><?xml version="1.0" encoding="utf-8"?>
 <p:sld xmlns:a="http://schemas.openxmlformats.org/drawingml/2006/main" xmlns:r="http://schemas.openxmlformats.org/officeDocument/2006/relationships" xmlns:p="http://schemas.openxmlformats.org/presentationml/2006/main">
-  <p:cSld name="Slide 2">
+  <p:cSld>
     <p:spTree>
       <p:nvGrpSpPr>
         <p:cNvPr id="1" name=""/>
@@ -1641,7 +1598,6 @@
           <a:solidFill>
             <a:srgbClr val="AABCB6"/>
           </a:solidFill>
-          <a:ln/>
         </p:spPr>
       </p:sp>
       <p:sp>
@@ -1661,7 +1617,6 @@
           <a:solidFill>
             <a:srgbClr val="FFF8F0"/>
           </a:solidFill>
-          <a:ln/>
         </p:spPr>
       </p:sp>
       <p:sp>
@@ -1679,20 +1634,19 @@
             <a:avLst/>
           </a:prstGeom>
           <a:noFill/>
-          <a:ln/>
         </p:spPr>
         <p:txBody>
           <a:bodyPr wrap="none" rtlCol="0" anchor="t"/>
           <a:lstStyle/>
           <a:p>
-            <a:pPr indent="0" marL="0">
+            <a:pPr marL="0" indent="0">
               <a:lnSpc>
-                <a:spcPts val="5468"/>
+                <a:spcPts val="5470"/>
               </a:lnSpc>
               <a:buNone/>
             </a:pPr>
             <a:r>
-              <a:rPr lang="en-US" sz="4374" spc="-131" kern="0" dirty="0">
+              <a:rPr lang="en-US" sz="4375" kern="0" spc="-131" dirty="0">
                 <a:solidFill>
                   <a:srgbClr val="2C3F42"/>
                 </a:solidFill>
@@ -1702,7 +1656,7 @@
               </a:rPr>
               <a:t>一、论文（设计）选题的背景与意义</a:t>
             </a:r>
-            <a:endParaRPr lang="en-US" sz="4374" dirty="0"/>
+            <a:endParaRPr lang="en-US" sz="4375" dirty="0"/>
           </a:p>
         </p:txBody>
       </p:sp>
@@ -1721,20 +1675,19 @@
             <a:avLst/>
           </a:prstGeom>
           <a:noFill/>
-          <a:ln/>
         </p:spPr>
         <p:txBody>
           <a:bodyPr wrap="square" rtlCol="0" anchor="t"/>
           <a:lstStyle/>
           <a:p>
-            <a:pPr indent="0" marL="0">
+            <a:pPr marL="0" indent="0">
               <a:lnSpc>
-                <a:spcPts val="2799"/>
+                <a:spcPts val="2800"/>
               </a:lnSpc>
               <a:buNone/>
             </a:pPr>
             <a:r>
-              <a:rPr lang="en-US" sz="1750" spc="-35" kern="0" dirty="0">
+              <a:rPr lang="en-US" sz="1750" kern="0" spc="-35" dirty="0">
                 <a:solidFill>
                   <a:srgbClr val="2B2E3C"/>
                 </a:solidFill>
@@ -1763,20 +1716,19 @@
             <a:avLst/>
           </a:prstGeom>
           <a:noFill/>
-          <a:ln/>
         </p:spPr>
         <p:txBody>
           <a:bodyPr wrap="square" rtlCol="0" anchor="t"/>
           <a:lstStyle/>
           <a:p>
-            <a:pPr indent="0" marL="0">
+            <a:pPr marL="0" indent="0">
               <a:lnSpc>
-                <a:spcPts val="2799"/>
+                <a:spcPts val="2800"/>
               </a:lnSpc>
               <a:buNone/>
             </a:pPr>
             <a:r>
-              <a:rPr lang="en-US" sz="1750" spc="-35" kern="0" dirty="0">
+              <a:rPr lang="en-US" sz="1750" kern="0" spc="-35" dirty="0">
                 <a:solidFill>
                   <a:srgbClr val="2B2E3C"/>
                 </a:solidFill>
@@ -1805,20 +1757,19 @@
             <a:avLst/>
           </a:prstGeom>
           <a:noFill/>
-          <a:ln/>
         </p:spPr>
         <p:txBody>
           <a:bodyPr wrap="square" rtlCol="0" anchor="t"/>
           <a:lstStyle/>
           <a:p>
-            <a:pPr indent="0" marL="0">
+            <a:pPr marL="0" indent="0">
               <a:lnSpc>
-                <a:spcPts val="2799"/>
+                <a:spcPts val="2800"/>
               </a:lnSpc>
               <a:buNone/>
             </a:pPr>
             <a:r>
-              <a:rPr lang="en-US" sz="1750" spc="-35" kern="0" dirty="0">
+              <a:rPr lang="en-US" sz="1750" kern="0" spc="-35" dirty="0">
                 <a:solidFill>
                   <a:srgbClr val="2B2E3C"/>
                 </a:solidFill>
@@ -1835,7 +1786,7 @@
       <p:pic>
         <p:nvPicPr>
           <p:cNvPr id="8" name="Image 0" descr="preencoded.png">
-            <a:hlinkClick r:id="rId2" tooltip=""/>
+            <a:hlinkClick r:id="rId1"/>
           </p:cNvPr>
           <p:cNvPicPr>
             <a:picLocks noChangeAspect="1"/>
@@ -1843,7 +1794,7 @@
           <p:nvPr/>
         </p:nvPicPr>
         <p:blipFill>
-          <a:blip r:embed="rId1"/>
+          <a:blip r:embed="rId2"/>
           <a:stretch>
             <a:fillRect/>
           </a:stretch>
@@ -1868,7 +1819,7 @@
 
 <file path=ppt/slides/slide3.xml><?xml version="1.0" encoding="utf-8"?>
 <p:sld xmlns:a="http://schemas.openxmlformats.org/drawingml/2006/main" xmlns:r="http://schemas.openxmlformats.org/officeDocument/2006/relationships" xmlns:p="http://schemas.openxmlformats.org/presentationml/2006/main">
-  <p:cSld name="Slide 3">
+  <p:cSld>
     <p:spTree>
       <p:nvGrpSpPr>
         <p:cNvPr id="1" name=""/>
@@ -1900,7 +1851,6 @@
           <a:solidFill>
             <a:srgbClr val="AABCB6"/>
           </a:solidFill>
-          <a:ln/>
         </p:spPr>
       </p:sp>
       <p:sp>
@@ -1920,7 +1870,6 @@
           <a:solidFill>
             <a:srgbClr val="FFF8F0"/>
           </a:solidFill>
-          <a:ln/>
         </p:spPr>
       </p:sp>
       <p:sp>
@@ -1938,20 +1887,19 @@
             <a:avLst/>
           </a:prstGeom>
           <a:noFill/>
-          <a:ln/>
         </p:spPr>
         <p:txBody>
           <a:bodyPr wrap="none" rtlCol="0" anchor="t"/>
           <a:lstStyle/>
           <a:p>
-            <a:pPr indent="0" marL="0">
+            <a:pPr marL="0" indent="0">
               <a:lnSpc>
                 <a:spcPts val="5315"/>
               </a:lnSpc>
               <a:buNone/>
             </a:pPr>
             <a:r>
-              <a:rPr lang="en-US" sz="4252" spc="-128" kern="0" dirty="0">
+              <a:rPr lang="en-US" sz="4250" kern="0" spc="-128" dirty="0">
                 <a:solidFill>
                   <a:srgbClr val="2C3F42"/>
                 </a:solidFill>
@@ -1961,7 +1909,7 @@
               </a:rPr>
               <a:t>二、理论与实证准备</a:t>
             </a:r>
-            <a:endParaRPr lang="en-US" sz="4252" dirty="0"/>
+            <a:endParaRPr lang="en-US" sz="4250" dirty="0"/>
           </a:p>
         </p:txBody>
       </p:sp>
@@ -1980,20 +1928,19 @@
             <a:avLst/>
           </a:prstGeom>
           <a:noFill/>
-          <a:ln/>
         </p:spPr>
         <p:txBody>
           <a:bodyPr wrap="none" rtlCol="0" anchor="t"/>
           <a:lstStyle/>
           <a:p>
-            <a:pPr indent="0" marL="0">
+            <a:pPr marL="0" indent="0">
               <a:lnSpc>
-                <a:spcPts val="3189"/>
+                <a:spcPts val="3190"/>
               </a:lnSpc>
               <a:buNone/>
             </a:pPr>
             <a:r>
-              <a:rPr lang="en-US" sz="2551" spc="-77" kern="0" dirty="0">
+              <a:rPr lang="en-US" sz="2550" kern="0" spc="-77" dirty="0">
                 <a:solidFill>
                   <a:srgbClr val="2C3F42"/>
                 </a:solidFill>
@@ -2003,7 +1950,7 @@
               </a:rPr>
               <a:t>1、理论研究</a:t>
             </a:r>
-            <a:endParaRPr lang="en-US" sz="2551" dirty="0"/>
+            <a:endParaRPr lang="en-US" sz="2550" dirty="0"/>
           </a:p>
         </p:txBody>
       </p:sp>
@@ -2022,20 +1969,19 @@
             <a:avLst/>
           </a:prstGeom>
           <a:noFill/>
-          <a:ln/>
         </p:spPr>
         <p:txBody>
           <a:bodyPr wrap="square" rtlCol="0" anchor="t"/>
           <a:lstStyle/>
           <a:p>
-            <a:pPr indent="0" marL="0">
+            <a:pPr marL="0" indent="0">
               <a:lnSpc>
-                <a:spcPts val="2721"/>
+                <a:spcPts val="2720"/>
               </a:lnSpc>
               <a:buNone/>
             </a:pPr>
             <a:r>
-              <a:rPr lang="en-US" sz="1701" spc="-34" kern="0" dirty="0">
+              <a:rPr lang="en-US" sz="1700" kern="0" spc="-34" dirty="0">
                 <a:solidFill>
                   <a:srgbClr val="2B2E3C"/>
                 </a:solidFill>
@@ -2045,7 +1991,7 @@
               </a:rPr>
               <a:t>对现有的在线挂号平台进行研究，了解其功能、特点、思考其优点和不足的同时对相关的理论进行深入的学习，如数据库设计、接口设计、系统架构设计、用户界面设计等。其次，研究用户的需求和使用习惯，通过问卷调查、访谈等方式获取用户的反馈和意见。研究医院的需求和期望，了解医院希望通过预约挂号统一平台实现的目标和效益。</a:t>
             </a:r>
-            <a:endParaRPr lang="en-US" sz="1701" dirty="0"/>
+            <a:endParaRPr lang="en-US" sz="1700" dirty="0"/>
           </a:p>
         </p:txBody>
       </p:sp>
@@ -2064,20 +2010,19 @@
             <a:avLst/>
           </a:prstGeom>
           <a:noFill/>
-          <a:ln/>
         </p:spPr>
         <p:txBody>
           <a:bodyPr wrap="none" rtlCol="0" anchor="t"/>
           <a:lstStyle/>
           <a:p>
-            <a:pPr indent="0" marL="0">
+            <a:pPr marL="0" indent="0">
               <a:lnSpc>
-                <a:spcPts val="3189"/>
+                <a:spcPts val="3190"/>
               </a:lnSpc>
               <a:buNone/>
             </a:pPr>
             <a:r>
-              <a:rPr lang="en-US" sz="2551" spc="-77" kern="0" dirty="0">
+              <a:rPr lang="en-US" sz="2550" kern="0" spc="-77" dirty="0">
                 <a:solidFill>
                   <a:srgbClr val="2C3F42"/>
                 </a:solidFill>
@@ -2087,7 +2032,7 @@
               </a:rPr>
               <a:t>2、技术选型</a:t>
             </a:r>
-            <a:endParaRPr lang="en-US" sz="2551" dirty="0"/>
+            <a:endParaRPr lang="en-US" sz="2550" dirty="0"/>
           </a:p>
         </p:txBody>
       </p:sp>
@@ -2106,20 +2051,19 @@
             <a:avLst/>
           </a:prstGeom>
           <a:noFill/>
-          <a:ln/>
         </p:spPr>
         <p:txBody>
           <a:bodyPr wrap="none" rtlCol="0" anchor="t"/>
           <a:lstStyle/>
           <a:p>
-            <a:pPr indent="0" marL="0">
+            <a:pPr marL="0" indent="0">
               <a:lnSpc>
-                <a:spcPts val="2721"/>
+                <a:spcPts val="2720"/>
               </a:lnSpc>
               <a:buNone/>
             </a:pPr>
             <a:r>
-              <a:rPr lang="en-US" sz="1701" spc="-34" kern="0" dirty="0">
+              <a:rPr lang="en-US" sz="1700" kern="0" spc="-34" dirty="0">
                 <a:solidFill>
                   <a:srgbClr val="2B2E3C"/>
                 </a:solidFill>
@@ -2129,7 +2073,7 @@
               </a:rPr>
               <a:t>根据平台的需求和特点，同时考虑平台的可扩展性、稳定性和安全性等。暂定的技术选型如下：</a:t>
             </a:r>
-            <a:endParaRPr lang="en-US" sz="1701" dirty="0"/>
+            <a:endParaRPr lang="en-US" sz="1700" dirty="0"/>
           </a:p>
         </p:txBody>
       </p:sp>
@@ -2148,21 +2092,20 @@
             <a:avLst/>
           </a:prstGeom>
           <a:noFill/>
-          <a:ln/>
         </p:spPr>
         <p:txBody>
           <a:bodyPr wrap="none" rtlCol="0" anchor="t"/>
           <a:lstStyle/>
           <a:p>
-            <a:pPr algn="l" marL="342900" indent="-342900">
+            <a:pPr marL="342900" indent="-342900" algn="l">
               <a:lnSpc>
-                <a:spcPts val="3061"/>
+                <a:spcPts val="3060"/>
               </a:lnSpc>
               <a:buSzPct val="100000"/>
               <a:buChar char="•"/>
             </a:pPr>
             <a:r>
-              <a:rPr lang="en-US" sz="1701" spc="-34" kern="0" dirty="0">
+              <a:rPr lang="en-US" sz="1700" kern="0" spc="-34" dirty="0">
                 <a:solidFill>
                   <a:srgbClr val="2B2E3C"/>
                 </a:solidFill>
@@ -2172,7 +2115,7 @@
               </a:rPr>
               <a:t>开发语言：Java、JavaScript</a:t>
             </a:r>
-            <a:endParaRPr lang="en-US" sz="1701" dirty="0"/>
+            <a:endParaRPr lang="en-US" sz="1700" dirty="0"/>
           </a:p>
         </p:txBody>
       </p:sp>
@@ -2191,21 +2134,20 @@
             <a:avLst/>
           </a:prstGeom>
           <a:noFill/>
-          <a:ln/>
         </p:spPr>
         <p:txBody>
           <a:bodyPr wrap="none" rtlCol="0" anchor="t"/>
           <a:lstStyle/>
           <a:p>
-            <a:pPr algn="l" marL="342900" indent="-342900">
+            <a:pPr marL="342900" indent="-342900" algn="l">
               <a:lnSpc>
-                <a:spcPts val="3061"/>
+                <a:spcPts val="3060"/>
               </a:lnSpc>
               <a:buSzPct val="100000"/>
               <a:buChar char="•"/>
             </a:pPr>
             <a:r>
-              <a:rPr lang="en-US" sz="1701" spc="-34" kern="0" dirty="0">
+              <a:rPr lang="en-US" sz="1700" kern="0" spc="-34" dirty="0">
                 <a:solidFill>
                   <a:srgbClr val="2B2E3C"/>
                 </a:solidFill>
@@ -2215,7 +2157,7 @@
               </a:rPr>
               <a:t>构建工具：Maven、Vite</a:t>
             </a:r>
-            <a:endParaRPr lang="en-US" sz="1701" dirty="0"/>
+            <a:endParaRPr lang="en-US" sz="1700" dirty="0"/>
           </a:p>
         </p:txBody>
       </p:sp>
@@ -2234,21 +2176,20 @@
             <a:avLst/>
           </a:prstGeom>
           <a:noFill/>
-          <a:ln/>
         </p:spPr>
         <p:txBody>
           <a:bodyPr wrap="none" rtlCol="0" anchor="t"/>
           <a:lstStyle/>
           <a:p>
-            <a:pPr algn="l" marL="342900" indent="-342900">
+            <a:pPr marL="342900" indent="-342900" algn="l">
               <a:lnSpc>
-                <a:spcPts val="3061"/>
+                <a:spcPts val="3060"/>
               </a:lnSpc>
               <a:buSzPct val="100000"/>
               <a:buChar char="•"/>
             </a:pPr>
             <a:r>
-              <a:rPr lang="en-US" sz="1701" spc="-34" kern="0" dirty="0">
+              <a:rPr lang="en-US" sz="1700" kern="0" spc="-34" dirty="0">
                 <a:solidFill>
                   <a:srgbClr val="2B2E3C"/>
                 </a:solidFill>
@@ -2258,7 +2199,7 @@
               </a:rPr>
               <a:t>开发框架：SpringBoot、SpringCloud、Vue、Nuxt</a:t>
             </a:r>
-            <a:endParaRPr lang="en-US" sz="1701" dirty="0"/>
+            <a:endParaRPr lang="en-US" sz="1700" dirty="0"/>
           </a:p>
         </p:txBody>
       </p:sp>
@@ -2277,21 +2218,20 @@
             <a:avLst/>
           </a:prstGeom>
           <a:noFill/>
-          <a:ln/>
         </p:spPr>
         <p:txBody>
           <a:bodyPr wrap="none" rtlCol="0" anchor="t"/>
           <a:lstStyle/>
           <a:p>
-            <a:pPr algn="l" marL="342900" indent="-342900">
+            <a:pPr marL="342900" indent="-342900" algn="l">
               <a:lnSpc>
-                <a:spcPts val="3061"/>
+                <a:spcPts val="3060"/>
               </a:lnSpc>
               <a:buSzPct val="100000"/>
               <a:buChar char="•"/>
             </a:pPr>
             <a:r>
-              <a:rPr lang="en-US" sz="1701" spc="-34" kern="0" dirty="0">
+              <a:rPr lang="en-US" sz="1700" kern="0" spc="-34" dirty="0">
                 <a:solidFill>
                   <a:srgbClr val="2B2E3C"/>
                 </a:solidFill>
@@ -2301,7 +2241,7 @@
               </a:rPr>
               <a:t>数据库：MySQL、MongoDB、Redis</a:t>
             </a:r>
-            <a:endParaRPr lang="en-US" sz="1701" dirty="0"/>
+            <a:endParaRPr lang="en-US" sz="1700" dirty="0"/>
           </a:p>
         </p:txBody>
       </p:sp>
@@ -2320,21 +2260,20 @@
             <a:avLst/>
           </a:prstGeom>
           <a:noFill/>
-          <a:ln/>
         </p:spPr>
         <p:txBody>
           <a:bodyPr wrap="none" rtlCol="0" anchor="t"/>
           <a:lstStyle/>
           <a:p>
-            <a:pPr algn="l" marL="342900" indent="-342900">
+            <a:pPr marL="342900" indent="-342900" algn="l">
               <a:lnSpc>
-                <a:spcPts val="3061"/>
+                <a:spcPts val="3060"/>
               </a:lnSpc>
               <a:buSzPct val="100000"/>
               <a:buChar char="•"/>
             </a:pPr>
             <a:r>
-              <a:rPr lang="en-US" sz="1701" spc="-34" kern="0" dirty="0">
+              <a:rPr lang="en-US" sz="1700" kern="0" spc="-34" dirty="0">
                 <a:solidFill>
                   <a:srgbClr val="2B2E3C"/>
                 </a:solidFill>
@@ -2344,14 +2283,14 @@
               </a:rPr>
               <a:t>消息队列：RabbitMQ</a:t>
             </a:r>
-            <a:endParaRPr lang="en-US" sz="1701" dirty="0"/>
+            <a:endParaRPr lang="en-US" sz="1700" dirty="0"/>
           </a:p>
         </p:txBody>
       </p:sp>
       <p:pic>
         <p:nvPicPr>
           <p:cNvPr id="14" name="Image 0" descr="preencoded.png">
-            <a:hlinkClick r:id="rId2" tooltip=""/>
+            <a:hlinkClick r:id="rId1"/>
           </p:cNvPr>
           <p:cNvPicPr>
             <a:picLocks noChangeAspect="1"/>
@@ -2359,7 +2298,7 @@
           <p:nvPr/>
         </p:nvPicPr>
         <p:blipFill>
-          <a:blip r:embed="rId1"/>
+          <a:blip r:embed="rId2"/>
           <a:stretch>
             <a:fillRect/>
           </a:stretch>
@@ -2384,7 +2323,7 @@
 
 <file path=ppt/slides/slide4.xml><?xml version="1.0" encoding="utf-8"?>
 <p:sld xmlns:a="http://schemas.openxmlformats.org/drawingml/2006/main" xmlns:r="http://schemas.openxmlformats.org/officeDocument/2006/relationships" xmlns:p="http://schemas.openxmlformats.org/presentationml/2006/main">
-  <p:cSld name="Slide 4">
+  <p:cSld>
     <p:spTree>
       <p:nvGrpSpPr>
         <p:cNvPr id="1" name=""/>
@@ -2416,7 +2355,6 @@
           <a:solidFill>
             <a:srgbClr val="AABCB6"/>
           </a:solidFill>
-          <a:ln/>
         </p:spPr>
       </p:sp>
       <p:sp>
@@ -2436,7 +2374,6 @@
           <a:solidFill>
             <a:srgbClr val="FFF8F0"/>
           </a:solidFill>
-          <a:ln/>
         </p:spPr>
       </p:sp>
       <p:sp>
@@ -2454,20 +2391,19 @@
             <a:avLst/>
           </a:prstGeom>
           <a:noFill/>
-          <a:ln/>
         </p:spPr>
         <p:txBody>
           <a:bodyPr wrap="none" rtlCol="0" anchor="t"/>
           <a:lstStyle/>
           <a:p>
-            <a:pPr indent="0" marL="0">
+            <a:pPr marL="0" indent="0">
               <a:lnSpc>
-                <a:spcPts val="5468"/>
+                <a:spcPts val="5470"/>
               </a:lnSpc>
               <a:buNone/>
             </a:pPr>
             <a:r>
-              <a:rPr lang="en-US" sz="4374" spc="-131" kern="0" dirty="0">
+              <a:rPr lang="en-US" sz="4375" kern="0" spc="-131" dirty="0">
                 <a:solidFill>
                   <a:srgbClr val="2C3F42"/>
                 </a:solidFill>
@@ -2477,7 +2413,7 @@
               </a:rPr>
               <a:t>三、拟解决的问题</a:t>
             </a:r>
-            <a:endParaRPr lang="en-US" sz="4374" dirty="0"/>
+            <a:endParaRPr lang="en-US" sz="4375" dirty="0"/>
           </a:p>
         </p:txBody>
       </p:sp>
@@ -2496,20 +2432,19 @@
             <a:avLst/>
           </a:prstGeom>
           <a:noFill/>
-          <a:ln/>
         </p:spPr>
         <p:txBody>
           <a:bodyPr wrap="none" rtlCol="0" anchor="t"/>
           <a:lstStyle/>
           <a:p>
-            <a:pPr indent="0" marL="0">
+            <a:pPr marL="0" indent="0">
               <a:lnSpc>
-                <a:spcPts val="2799"/>
+                <a:spcPts val="2800"/>
               </a:lnSpc>
               <a:buNone/>
             </a:pPr>
             <a:r>
-              <a:rPr lang="en-US" sz="1750" spc="-35" kern="0" dirty="0">
+              <a:rPr lang="en-US" sz="1750" kern="0" spc="-35" dirty="0">
                 <a:solidFill>
                   <a:srgbClr val="2B2E3C"/>
                 </a:solidFill>
@@ -2538,22 +2473,21 @@
             <a:avLst/>
           </a:prstGeom>
           <a:noFill/>
-          <a:ln/>
         </p:spPr>
         <p:txBody>
           <a:bodyPr wrap="square" rtlCol="0" anchor="t"/>
           <a:lstStyle/>
           <a:p>
-            <a:pPr algn="l" marL="342900" indent="-342900">
+            <a:pPr marL="342900" indent="-342900" algn="l">
               <a:lnSpc>
-                <a:spcPts val="3149"/>
+                <a:spcPts val="3150"/>
               </a:lnSpc>
               <a:buSzPct val="100000"/>
               <a:buFont typeface="+mj-lt"/>
-              <a:buAutoNum type="arabicPeriod" startAt="1"/>
+              <a:buAutoNum type="arabicPeriod"/>
             </a:pPr>
             <a:r>
-              <a:rPr lang="en-US" sz="1750" spc="-35" kern="0" dirty="0">
+              <a:rPr lang="en-US" sz="1750" kern="0" spc="-35" dirty="0">
                 <a:solidFill>
                   <a:srgbClr val="2B2E3C"/>
                 </a:solidFill>
@@ -2582,22 +2516,21 @@
             <a:avLst/>
           </a:prstGeom>
           <a:noFill/>
-          <a:ln/>
         </p:spPr>
         <p:txBody>
           <a:bodyPr wrap="square" rtlCol="0" anchor="t"/>
           <a:lstStyle/>
           <a:p>
-            <a:pPr algn="l" marL="342900" indent="-342900">
+            <a:pPr marL="342900" indent="-342900" algn="l">
               <a:lnSpc>
-                <a:spcPts val="3149"/>
+                <a:spcPts val="3150"/>
               </a:lnSpc>
               <a:buSzPct val="100000"/>
               <a:buFont typeface="+mj-lt"/>
               <a:buAutoNum type="arabicPeriod" startAt="2"/>
             </a:pPr>
             <a:r>
-              <a:rPr lang="en-US" sz="1750" spc="-35" kern="0" dirty="0">
+              <a:rPr lang="en-US" sz="1750" kern="0" spc="-35" dirty="0">
                 <a:solidFill>
                   <a:srgbClr val="2B2E3C"/>
                 </a:solidFill>
@@ -2626,22 +2559,21 @@
             <a:avLst/>
           </a:prstGeom>
           <a:noFill/>
-          <a:ln/>
         </p:spPr>
         <p:txBody>
           <a:bodyPr wrap="square" rtlCol="0" anchor="t"/>
           <a:lstStyle/>
           <a:p>
-            <a:pPr algn="l" marL="342900" indent="-342900">
+            <a:pPr marL="342900" indent="-342900" algn="l">
               <a:lnSpc>
-                <a:spcPts val="3149"/>
+                <a:spcPts val="3150"/>
               </a:lnSpc>
               <a:buSzPct val="100000"/>
               <a:buFont typeface="+mj-lt"/>
               <a:buAutoNum type="arabicPeriod" startAt="3"/>
             </a:pPr>
             <a:r>
-              <a:rPr lang="en-US" sz="1750" spc="-35" kern="0" dirty="0">
+              <a:rPr lang="en-US" sz="1750" kern="0" spc="-35" dirty="0">
                 <a:solidFill>
                   <a:srgbClr val="2B2E3C"/>
                 </a:solidFill>
@@ -2670,22 +2602,21 @@
             <a:avLst/>
           </a:prstGeom>
           <a:noFill/>
-          <a:ln/>
         </p:spPr>
         <p:txBody>
           <a:bodyPr wrap="square" rtlCol="0" anchor="t"/>
           <a:lstStyle/>
           <a:p>
-            <a:pPr algn="l" marL="342900" indent="-342900">
+            <a:pPr marL="342900" indent="-342900" algn="l">
               <a:lnSpc>
-                <a:spcPts val="3149"/>
+                <a:spcPts val="3150"/>
               </a:lnSpc>
               <a:buSzPct val="100000"/>
               <a:buFont typeface="+mj-lt"/>
               <a:buAutoNum type="arabicPeriod" startAt="4"/>
             </a:pPr>
             <a:r>
-              <a:rPr lang="en-US" sz="1750" spc="-35" kern="0" dirty="0">
+              <a:rPr lang="en-US" sz="1750" kern="0" spc="-35" dirty="0">
                 <a:solidFill>
                   <a:srgbClr val="2B2E3C"/>
                 </a:solidFill>
@@ -2702,7 +2633,7 @@
       <p:pic>
         <p:nvPicPr>
           <p:cNvPr id="10" name="Image 0" descr="preencoded.png">
-            <a:hlinkClick r:id="rId2" tooltip=""/>
+            <a:hlinkClick r:id="rId1"/>
           </p:cNvPr>
           <p:cNvPicPr>
             <a:picLocks noChangeAspect="1"/>
@@ -2710,7 +2641,7 @@
           <p:nvPr/>
         </p:nvPicPr>
         <p:blipFill>
-          <a:blip r:embed="rId1"/>
+          <a:blip r:embed="rId2"/>
           <a:stretch>
             <a:fillRect/>
           </a:stretch>
@@ -2735,7 +2666,7 @@
 
 <file path=ppt/slides/slide5.xml><?xml version="1.0" encoding="utf-8"?>
 <p:sld xmlns:a="http://schemas.openxmlformats.org/drawingml/2006/main" xmlns:r="http://schemas.openxmlformats.org/officeDocument/2006/relationships" xmlns:p="http://schemas.openxmlformats.org/presentationml/2006/main">
-  <p:cSld name="Slide 5">
+  <p:cSld>
     <p:spTree>
       <p:nvGrpSpPr>
         <p:cNvPr id="1" name=""/>
@@ -2767,7 +2698,6 @@
           <a:solidFill>
             <a:srgbClr val="AABCB6"/>
           </a:solidFill>
-          <a:ln/>
         </p:spPr>
       </p:sp>
       <p:sp>
@@ -2787,7 +2717,6 @@
           <a:solidFill>
             <a:srgbClr val="FFF8F0"/>
           </a:solidFill>
-          <a:ln/>
         </p:spPr>
       </p:sp>
       <p:sp>
@@ -2805,20 +2734,19 @@
             <a:avLst/>
           </a:prstGeom>
           <a:noFill/>
-          <a:ln/>
         </p:spPr>
         <p:txBody>
           <a:bodyPr wrap="none" rtlCol="0" anchor="t"/>
           <a:lstStyle/>
           <a:p>
-            <a:pPr indent="0" marL="0">
+            <a:pPr marL="0" indent="0">
               <a:lnSpc>
-                <a:spcPts val="5468"/>
+                <a:spcPts val="5470"/>
               </a:lnSpc>
               <a:buNone/>
             </a:pPr>
             <a:r>
-              <a:rPr lang="en-US" sz="4374" spc="-131" kern="0" dirty="0">
+              <a:rPr lang="en-US" sz="4375" kern="0" spc="-131" dirty="0">
                 <a:solidFill>
                   <a:srgbClr val="2C3F42"/>
                 </a:solidFill>
@@ -2828,7 +2756,7 @@
               </a:rPr>
               <a:t>四、研究（设计）方法与技术路线</a:t>
             </a:r>
-            <a:endParaRPr lang="en-US" sz="4374" dirty="0"/>
+            <a:endParaRPr lang="en-US" sz="4375" dirty="0"/>
           </a:p>
         </p:txBody>
       </p:sp>
@@ -2847,20 +2775,19 @@
             <a:avLst/>
           </a:prstGeom>
           <a:noFill/>
-          <a:ln/>
         </p:spPr>
         <p:txBody>
           <a:bodyPr wrap="none" rtlCol="0" anchor="t"/>
           <a:lstStyle/>
           <a:p>
-            <a:pPr indent="0" marL="0">
+            <a:pPr marL="0" indent="0">
               <a:lnSpc>
-                <a:spcPts val="3281"/>
+                <a:spcPts val="3280"/>
               </a:lnSpc>
               <a:buNone/>
             </a:pPr>
             <a:r>
-              <a:rPr lang="en-US" sz="2624" spc="-79" kern="0" dirty="0">
+              <a:rPr lang="en-US" sz="2625" kern="0" spc="-79" dirty="0">
                 <a:solidFill>
                   <a:srgbClr val="2C3F42"/>
                 </a:solidFill>
@@ -2870,7 +2797,7 @@
               </a:rPr>
               <a:t>1、软件生命周期模型</a:t>
             </a:r>
-            <a:endParaRPr lang="en-US" sz="2624" dirty="0"/>
+            <a:endParaRPr lang="en-US" sz="2625" dirty="0"/>
           </a:p>
         </p:txBody>
       </p:sp>
@@ -2889,20 +2816,19 @@
             <a:avLst/>
           </a:prstGeom>
           <a:noFill/>
-          <a:ln/>
         </p:spPr>
         <p:txBody>
           <a:bodyPr wrap="square" rtlCol="0" anchor="t"/>
           <a:lstStyle/>
           <a:p>
-            <a:pPr indent="0" marL="0">
+            <a:pPr marL="0" indent="0">
               <a:lnSpc>
-                <a:spcPts val="2799"/>
+                <a:spcPts val="2800"/>
               </a:lnSpc>
               <a:buNone/>
             </a:pPr>
             <a:r>
-              <a:rPr lang="en-US" sz="1750" spc="-35" kern="0" dirty="0">
+              <a:rPr lang="en-US" sz="1750" kern="0" spc="-35" dirty="0">
                 <a:solidFill>
                   <a:srgbClr val="2B2E3C"/>
                 </a:solidFill>
@@ -2919,7 +2845,7 @@
       <p:pic>
         <p:nvPicPr>
           <p:cNvPr id="7" name="Image 0" descr="preencoded.png">
-            <a:hlinkClick r:id="rId2" tooltip=""/>
+            <a:hlinkClick r:id="rId1"/>
           </p:cNvPr>
           <p:cNvPicPr>
             <a:picLocks noChangeAspect="1"/>
@@ -2927,7 +2853,7 @@
           <p:nvPr/>
         </p:nvPicPr>
         <p:blipFill>
-          <a:blip r:embed="rId1"/>
+          <a:blip r:embed="rId2"/>
           <a:stretch>
             <a:fillRect/>
           </a:stretch>
@@ -2952,7 +2878,7 @@
 
 <file path=ppt/slides/slide6.xml><?xml version="1.0" encoding="utf-8"?>
 <p:sld xmlns:a="http://schemas.openxmlformats.org/drawingml/2006/main" xmlns:r="http://schemas.openxmlformats.org/officeDocument/2006/relationships" xmlns:p="http://schemas.openxmlformats.org/presentationml/2006/main">
-  <p:cSld name="Slide 6">
+  <p:cSld>
     <p:spTree>
       <p:nvGrpSpPr>
         <p:cNvPr id="1" name=""/>
@@ -2984,7 +2910,6 @@
           <a:solidFill>
             <a:srgbClr val="AABCB6"/>
           </a:solidFill>
-          <a:ln/>
         </p:spPr>
       </p:sp>
       <p:sp>
@@ -3004,7 +2929,6 @@
           <a:solidFill>
             <a:srgbClr val="FFF8F0"/>
           </a:solidFill>
-          <a:ln/>
         </p:spPr>
       </p:sp>
       <p:sp>
@@ -3022,20 +2946,19 @@
             <a:avLst/>
           </a:prstGeom>
           <a:noFill/>
-          <a:ln/>
         </p:spPr>
         <p:txBody>
           <a:bodyPr wrap="none" rtlCol="0" anchor="t"/>
           <a:lstStyle/>
           <a:p>
-            <a:pPr indent="0" marL="0">
+            <a:pPr marL="0" indent="0">
               <a:lnSpc>
-                <a:spcPts val="2812"/>
+                <a:spcPts val="2810"/>
               </a:lnSpc>
               <a:buNone/>
             </a:pPr>
             <a:r>
-              <a:rPr lang="en-US" sz="2249" spc="-67" kern="0" dirty="0">
+              <a:rPr lang="en-US" sz="2250" kern="0" spc="-67" dirty="0">
                 <a:solidFill>
                   <a:srgbClr val="2C3F42"/>
                 </a:solidFill>
@@ -3045,7 +2968,7 @@
               </a:rPr>
               <a:t>2、系统结构设计</a:t>
             </a:r>
-            <a:endParaRPr lang="en-US" sz="2249" dirty="0"/>
+            <a:endParaRPr lang="en-US" sz="2250" dirty="0"/>
           </a:p>
         </p:txBody>
       </p:sp>
@@ -3064,20 +2987,19 @@
             <a:avLst/>
           </a:prstGeom>
           <a:noFill/>
-          <a:ln/>
         </p:spPr>
         <p:txBody>
           <a:bodyPr wrap="none" rtlCol="0" anchor="t"/>
           <a:lstStyle/>
           <a:p>
-            <a:pPr indent="0" marL="0">
+            <a:pPr marL="0" indent="0">
               <a:lnSpc>
-                <a:spcPts val="2399"/>
+                <a:spcPts val="2400"/>
               </a:lnSpc>
               <a:buNone/>
             </a:pPr>
             <a:r>
-              <a:rPr lang="en-US" sz="1500" spc="-30" kern="0" dirty="0">
+              <a:rPr lang="en-US" sz="1500" kern="0" spc="-30" dirty="0">
                 <a:solidFill>
                   <a:srgbClr val="2B2E3C"/>
                 </a:solidFill>
@@ -3093,7 +3015,7 @@
       </p:sp>
       <p:pic>
         <p:nvPicPr>
-          <p:cNvPr id="6" name="Image 0" descr="preencoded.png">    </p:cNvPr>
+          <p:cNvPr id="6" name="Image 0" descr="preencoded.png"/>
           <p:cNvPicPr>
             <a:picLocks noChangeAspect="1"/>
           </p:cNvPicPr>
@@ -3118,7 +3040,7 @@
       <p:pic>
         <p:nvPicPr>
           <p:cNvPr id="7" name="Image 1" descr="preencoded.png">
-            <a:hlinkClick r:id="rId3" tooltip=""/>
+            <a:hlinkClick r:id="rId2"/>
           </p:cNvPr>
           <p:cNvPicPr>
             <a:picLocks noChangeAspect="1"/>
@@ -3126,7 +3048,7 @@
           <p:nvPr/>
         </p:nvPicPr>
         <p:blipFill>
-          <a:blip r:embed="rId2"/>
+          <a:blip r:embed="rId3"/>
           <a:stretch>
             <a:fillRect/>
           </a:stretch>
@@ -3151,7 +3073,7 @@
 
 <file path=ppt/slides/slide7.xml><?xml version="1.0" encoding="utf-8"?>
 <p:sld xmlns:a="http://schemas.openxmlformats.org/drawingml/2006/main" xmlns:r="http://schemas.openxmlformats.org/officeDocument/2006/relationships" xmlns:p="http://schemas.openxmlformats.org/presentationml/2006/main">
-  <p:cSld name="Slide 7">
+  <p:cSld>
     <p:spTree>
       <p:nvGrpSpPr>
         <p:cNvPr id="1" name=""/>
@@ -3183,7 +3105,6 @@
           <a:solidFill>
             <a:srgbClr val="AABCB6"/>
           </a:solidFill>
-          <a:ln/>
         </p:spPr>
       </p:sp>
       <p:sp>
@@ -3203,7 +3124,6 @@
           <a:solidFill>
             <a:srgbClr val="FFF8F0"/>
           </a:solidFill>
-          <a:ln/>
         </p:spPr>
       </p:sp>
       <p:sp>
@@ -3221,20 +3141,19 @@
             <a:avLst/>
           </a:prstGeom>
           <a:noFill/>
-          <a:ln/>
         </p:spPr>
         <p:txBody>
           <a:bodyPr wrap="none" rtlCol="0" anchor="t"/>
           <a:lstStyle/>
           <a:p>
-            <a:pPr indent="0" marL="0">
+            <a:pPr marL="0" indent="0">
               <a:lnSpc>
-                <a:spcPts val="3281"/>
+                <a:spcPts val="3280"/>
               </a:lnSpc>
               <a:buNone/>
             </a:pPr>
             <a:r>
-              <a:rPr lang="en-US" sz="2624" spc="-79" kern="0" dirty="0">
+              <a:rPr lang="en-US" sz="2625" kern="0" spc="-79" dirty="0">
                 <a:solidFill>
                   <a:srgbClr val="2C3F42"/>
                 </a:solidFill>
@@ -3244,7 +3163,7 @@
               </a:rPr>
               <a:t>3、开发平台</a:t>
             </a:r>
-            <a:endParaRPr lang="en-US" sz="2624" dirty="0"/>
+            <a:endParaRPr lang="en-US" sz="2625" dirty="0"/>
           </a:p>
         </p:txBody>
       </p:sp>
@@ -3263,20 +3182,19 @@
             <a:avLst/>
           </a:prstGeom>
           <a:noFill/>
-          <a:ln/>
         </p:spPr>
         <p:txBody>
           <a:bodyPr wrap="square" rtlCol="0" anchor="t"/>
           <a:lstStyle/>
           <a:p>
-            <a:pPr indent="0" marL="0">
+            <a:pPr marL="0" indent="0">
               <a:lnSpc>
-                <a:spcPts val="2799"/>
+                <a:spcPts val="2800"/>
               </a:lnSpc>
               <a:buNone/>
             </a:pPr>
             <a:r>
-              <a:rPr lang="en-US" sz="1750" spc="-35" kern="0" dirty="0">
+              <a:rPr lang="en-US" sz="1750" kern="0" spc="-35" dirty="0">
                 <a:solidFill>
                   <a:srgbClr val="2B2E3C"/>
                 </a:solidFill>
@@ -3293,7 +3211,7 @@
       <p:pic>
         <p:nvPicPr>
           <p:cNvPr id="6" name="Image 0" descr="preencoded.png">
-            <a:hlinkClick r:id="rId2" tooltip=""/>
+            <a:hlinkClick r:id="rId1"/>
           </p:cNvPr>
           <p:cNvPicPr>
             <a:picLocks noChangeAspect="1"/>
@@ -3301,7 +3219,7 @@
           <p:nvPr/>
         </p:nvPicPr>
         <p:blipFill>
-          <a:blip r:embed="rId1"/>
+          <a:blip r:embed="rId2"/>
           <a:stretch>
             <a:fillRect/>
           </a:stretch>
@@ -3326,7 +3244,7 @@
 
 <file path=ppt/slides/slide8.xml><?xml version="1.0" encoding="utf-8"?>
 <p:sld xmlns:a="http://schemas.openxmlformats.org/drawingml/2006/main" xmlns:r="http://schemas.openxmlformats.org/officeDocument/2006/relationships" xmlns:p="http://schemas.openxmlformats.org/presentationml/2006/main">
-  <p:cSld name="Slide 8">
+  <p:cSld>
     <p:spTree>
       <p:nvGrpSpPr>
         <p:cNvPr id="1" name=""/>
@@ -3358,7 +3276,6 @@
           <a:solidFill>
             <a:srgbClr val="AABCB6"/>
           </a:solidFill>
-          <a:ln/>
         </p:spPr>
       </p:sp>
       <p:sp>
@@ -3378,7 +3295,6 @@
           <a:solidFill>
             <a:srgbClr val="FFF8F0"/>
           </a:solidFill>
-          <a:ln/>
         </p:spPr>
       </p:sp>
       <p:sp>
@@ -3396,20 +3312,19 @@
             <a:avLst/>
           </a:prstGeom>
           <a:noFill/>
-          <a:ln/>
         </p:spPr>
         <p:txBody>
           <a:bodyPr wrap="none" rtlCol="0" anchor="t"/>
           <a:lstStyle/>
           <a:p>
-            <a:pPr indent="0" marL="0">
+            <a:pPr marL="0" indent="0">
               <a:lnSpc>
-                <a:spcPts val="5468"/>
+                <a:spcPts val="5470"/>
               </a:lnSpc>
               <a:buNone/>
             </a:pPr>
             <a:r>
-              <a:rPr lang="en-US" sz="4374" spc="-131" kern="0" dirty="0">
+              <a:rPr lang="en-US" sz="4375" kern="0" spc="-131" dirty="0">
                 <a:solidFill>
                   <a:srgbClr val="2C3F42"/>
                 </a:solidFill>
@@ -3419,14 +3334,14 @@
               </a:rPr>
               <a:t>谢谢大家</a:t>
             </a:r>
-            <a:endParaRPr lang="en-US" sz="4374" dirty="0"/>
+            <a:endParaRPr lang="en-US" sz="4375" dirty="0"/>
           </a:p>
         </p:txBody>
       </p:sp>
       <p:pic>
         <p:nvPicPr>
           <p:cNvPr id="5" name="Image 0" descr="preencoded.png">
-            <a:hlinkClick r:id="rId2" tooltip=""/>
+            <a:hlinkClick r:id="rId1"/>
           </p:cNvPr>
           <p:cNvPicPr>
             <a:picLocks noChangeAspect="1"/>
@@ -3434,7 +3349,7 @@
           <p:nvPr/>
         </p:nvPicPr>
         <p:blipFill>
-          <a:blip r:embed="rId1"/>
+          <a:blip r:embed="rId2"/>
           <a:stretch>
             <a:fillRect/>
           </a:stretch>
@@ -3455,6 +3370,12 @@
     <a:masterClrMapping/>
   </p:clrMapOvr>
 </p:sld>
+</file>
+
+<file path=ppt/tags/tag1.xml><?xml version="1.0" encoding="utf-8"?>
+<p:tagLst xmlns:p="http://schemas.openxmlformats.org/presentationml/2006/main">
+  <p:tag name="commondata" val="eyJoZGlkIjoiM2JjMzQyMWQ2ZmNiMjc5YzFjMTNkNDUxZGRiMTZlODIifQ=="/>
+</p:tagLst>
 </file>
 
 <file path=ppt/theme/theme1.xml><?xml version="1.0" encoding="utf-8"?>
@@ -3500,7 +3421,7 @@
     </a:clrScheme>
     <a:fontScheme name="Office">
       <a:majorFont>
-        <a:latin typeface="Calibri Light" panose="020F0302020204030204"/>
+        <a:latin typeface="Calibri Light"/>
         <a:ea typeface=""/>
         <a:cs typeface=""/>
         <a:font script="Jpan" typeface="游ゴシック Light"/>
@@ -3533,26 +3454,9 @@
         <a:font script="Viet" typeface="Times New Roman"/>
         <a:font script="Uigh" typeface="Microsoft Uighur"/>
         <a:font script="Geor" typeface="Sylfaen"/>
-        <a:font script="Armn" typeface="Arial"/>
-        <a:font script="Bugi" typeface="Leelawadee UI"/>
-        <a:font script="Bopo" typeface="Microsoft JhengHei"/>
-        <a:font script="Java" typeface="Javanese Text"/>
-        <a:font script="Lisu" typeface="Segoe UI"/>
-        <a:font script="Mymr" typeface="Myanmar Text"/>
-        <a:font script="Nkoo" typeface="Ebrima"/>
-        <a:font script="Olck" typeface="Nirmala UI"/>
-        <a:font script="Osma" typeface="Ebrima"/>
-        <a:font script="Phag" typeface="Phagspa"/>
-        <a:font script="Syrn" typeface="Estrangelo Edessa"/>
-        <a:font script="Syrj" typeface="Estrangelo Edessa"/>
-        <a:font script="Syre" typeface="Estrangelo Edessa"/>
-        <a:font script="Sora" typeface="Nirmala UI"/>
-        <a:font script="Tale" typeface="Microsoft Tai Le"/>
-        <a:font script="Talu" typeface="Microsoft New Tai Lue"/>
-        <a:font script="Tfng" typeface="Ebrima"/>
       </a:majorFont>
       <a:minorFont>
-        <a:latin typeface="Calibri" panose="020F0502020204030204"/>
+        <a:latin typeface="Calibri"/>
         <a:ea typeface=""/>
         <a:cs typeface=""/>
         <a:font script="Jpan" typeface="游ゴシック"/>
@@ -3585,23 +3489,6 @@
         <a:font script="Viet" typeface="Arial"/>
         <a:font script="Uigh" typeface="Microsoft Uighur"/>
         <a:font script="Geor" typeface="Sylfaen"/>
-        <a:font script="Armn" typeface="Arial"/>
-        <a:font script="Bugi" typeface="Leelawadee UI"/>
-        <a:font script="Bopo" typeface="Microsoft JhengHei"/>
-        <a:font script="Java" typeface="Javanese Text"/>
-        <a:font script="Lisu" typeface="Segoe UI"/>
-        <a:font script="Mymr" typeface="Myanmar Text"/>
-        <a:font script="Nkoo" typeface="Ebrima"/>
-        <a:font script="Olck" typeface="Nirmala UI"/>
-        <a:font script="Osma" typeface="Ebrima"/>
-        <a:font script="Phag" typeface="Phagspa"/>
-        <a:font script="Syrn" typeface="Estrangelo Edessa"/>
-        <a:font script="Syrj" typeface="Estrangelo Edessa"/>
-        <a:font script="Syre" typeface="Estrangelo Edessa"/>
-        <a:font script="Sora" typeface="Nirmala UI"/>
-        <a:font script="Tale" typeface="Microsoft Tai Le"/>
-        <a:font script="Talu" typeface="Microsoft New Tai Lue"/>
-        <a:font script="Tfng" typeface="Ebrima"/>
       </a:minorFont>
     </a:fontScheme>
     <a:fmtScheme name="Office">
@@ -3742,8 +3629,265 @@
       </a:bgFillStyleLst>
     </a:fmtScheme>
   </a:themeElements>
-  <a:objectDefaults/>
-  <a:extraClrSchemeLst/>
+  <a:extLst>
+    <a:ext uri="{05A4C25C-085E-4340-85A3-A5531E510DB2}">
+      <thm15:themeFamily xmlns:thm15="http://schemas.microsoft.com/office/thememl/2012/main" name="Office Theme" id="{62F939B6-93AF-4DB8-9C6B-D6C7DFDC589F}" vid="{4A3C46E8-61CC-4603-A589-7422A47A8E4A}"/>
+    </a:ext>
+  </a:extLst>
+</a:theme>
+</file>
+
+<file path=ppt/theme/theme2.xml><?xml version="1.0" encoding="utf-8"?>
+<a:theme xmlns:a="http://schemas.openxmlformats.org/drawingml/2006/main" name="Office Theme">
+  <a:themeElements>
+    <a:clrScheme name="Office">
+      <a:dk1>
+        <a:sysClr val="windowText" lastClr="000000"/>
+      </a:dk1>
+      <a:lt1>
+        <a:sysClr val="window" lastClr="FFFFFF"/>
+      </a:lt1>
+      <a:dk2>
+        <a:srgbClr val="44546A"/>
+      </a:dk2>
+      <a:lt2>
+        <a:srgbClr val="E7E6E6"/>
+      </a:lt2>
+      <a:accent1>
+        <a:srgbClr val="4472C4"/>
+      </a:accent1>
+      <a:accent2>
+        <a:srgbClr val="ED7D31"/>
+      </a:accent2>
+      <a:accent3>
+        <a:srgbClr val="A5A5A5"/>
+      </a:accent3>
+      <a:accent4>
+        <a:srgbClr val="FFC000"/>
+      </a:accent4>
+      <a:accent5>
+        <a:srgbClr val="5B9BD5"/>
+      </a:accent5>
+      <a:accent6>
+        <a:srgbClr val="70AD47"/>
+      </a:accent6>
+      <a:hlink>
+        <a:srgbClr val="0563C1"/>
+      </a:hlink>
+      <a:folHlink>
+        <a:srgbClr val="954F72"/>
+      </a:folHlink>
+    </a:clrScheme>
+    <a:fontScheme name="Office">
+      <a:majorFont>
+        <a:latin typeface="Calibri Light"/>
+        <a:ea typeface=""/>
+        <a:cs typeface=""/>
+        <a:font script="Jpan" typeface="游ゴシック Light"/>
+        <a:font script="Hang" typeface="맑은 고딕"/>
+        <a:font script="Hans" typeface="等线 Light"/>
+        <a:font script="Hant" typeface="新細明體"/>
+        <a:font script="Arab" typeface="Times New Roman"/>
+        <a:font script="Hebr" typeface="Times New Roman"/>
+        <a:font script="Thai" typeface="Angsana New"/>
+        <a:font script="Ethi" typeface="Nyala"/>
+        <a:font script="Beng" typeface="Vrinda"/>
+        <a:font script="Gujr" typeface="Shruti"/>
+        <a:font script="Khmr" typeface="MoolBoran"/>
+        <a:font script="Knda" typeface="Tunga"/>
+        <a:font script="Guru" typeface="Raavi"/>
+        <a:font script="Cans" typeface="Euphemia"/>
+        <a:font script="Cher" typeface="Plantagenet Cherokee"/>
+        <a:font script="Yiii" typeface="Microsoft Yi Baiti"/>
+        <a:font script="Tibt" typeface="Microsoft Himalaya"/>
+        <a:font script="Thaa" typeface="MV Boli"/>
+        <a:font script="Deva" typeface="Mangal"/>
+        <a:font script="Telu" typeface="Gautami"/>
+        <a:font script="Taml" typeface="Latha"/>
+        <a:font script="Syrc" typeface="Estrangelo Edessa"/>
+        <a:font script="Orya" typeface="Kalinga"/>
+        <a:font script="Mlym" typeface="Kartika"/>
+        <a:font script="Laoo" typeface="DokChampa"/>
+        <a:font script="Sinh" typeface="Iskoola Pota"/>
+        <a:font script="Mong" typeface="Mongolian Baiti"/>
+        <a:font script="Viet" typeface="Times New Roman"/>
+        <a:font script="Uigh" typeface="Microsoft Uighur"/>
+        <a:font script="Geor" typeface="Sylfaen"/>
+      </a:majorFont>
+      <a:minorFont>
+        <a:latin typeface="Calibri"/>
+        <a:ea typeface=""/>
+        <a:cs typeface=""/>
+        <a:font script="Jpan" typeface="游ゴシック"/>
+        <a:font script="Hang" typeface="맑은 고딕"/>
+        <a:font script="Hans" typeface="等线"/>
+        <a:font script="Hant" typeface="新細明體"/>
+        <a:font script="Arab" typeface="Arial"/>
+        <a:font script="Hebr" typeface="Arial"/>
+        <a:font script="Thai" typeface="Cordia New"/>
+        <a:font script="Ethi" typeface="Nyala"/>
+        <a:font script="Beng" typeface="Vrinda"/>
+        <a:font script="Gujr" typeface="Shruti"/>
+        <a:font script="Khmr" typeface="DaunPenh"/>
+        <a:font script="Knda" typeface="Tunga"/>
+        <a:font script="Guru" typeface="Raavi"/>
+        <a:font script="Cans" typeface="Euphemia"/>
+        <a:font script="Cher" typeface="Plantagenet Cherokee"/>
+        <a:font script="Yiii" typeface="Microsoft Yi Baiti"/>
+        <a:font script="Tibt" typeface="Microsoft Himalaya"/>
+        <a:font script="Thaa" typeface="MV Boli"/>
+        <a:font script="Deva" typeface="Mangal"/>
+        <a:font script="Telu" typeface="Gautami"/>
+        <a:font script="Taml" typeface="Latha"/>
+        <a:font script="Syrc" typeface="Estrangelo Edessa"/>
+        <a:font script="Orya" typeface="Kalinga"/>
+        <a:font script="Mlym" typeface="Kartika"/>
+        <a:font script="Laoo" typeface="DokChampa"/>
+        <a:font script="Sinh" typeface="Iskoola Pota"/>
+        <a:font script="Mong" typeface="Mongolian Baiti"/>
+        <a:font script="Viet" typeface="Arial"/>
+        <a:font script="Uigh" typeface="Microsoft Uighur"/>
+        <a:font script="Geor" typeface="Sylfaen"/>
+      </a:minorFont>
+    </a:fontScheme>
+    <a:fmtScheme name="Office">
+      <a:fillStyleLst>
+        <a:solidFill>
+          <a:schemeClr val="phClr"/>
+        </a:solidFill>
+        <a:gradFill rotWithShape="1">
+          <a:gsLst>
+            <a:gs pos="0">
+              <a:schemeClr val="phClr">
+                <a:lumMod val="110000"/>
+                <a:satMod val="105000"/>
+                <a:tint val="67000"/>
+              </a:schemeClr>
+            </a:gs>
+            <a:gs pos="50000">
+              <a:schemeClr val="phClr">
+                <a:lumMod val="105000"/>
+                <a:satMod val="103000"/>
+                <a:tint val="73000"/>
+              </a:schemeClr>
+            </a:gs>
+            <a:gs pos="100000">
+              <a:schemeClr val="phClr">
+                <a:lumMod val="105000"/>
+                <a:satMod val="109000"/>
+                <a:tint val="81000"/>
+              </a:schemeClr>
+            </a:gs>
+          </a:gsLst>
+          <a:lin ang="5400000" scaled="0"/>
+        </a:gradFill>
+        <a:gradFill rotWithShape="1">
+          <a:gsLst>
+            <a:gs pos="0">
+              <a:schemeClr val="phClr">
+                <a:satMod val="103000"/>
+                <a:lumMod val="102000"/>
+                <a:tint val="94000"/>
+              </a:schemeClr>
+            </a:gs>
+            <a:gs pos="50000">
+              <a:schemeClr val="phClr">
+                <a:satMod val="110000"/>
+                <a:lumMod val="100000"/>
+                <a:shade val="100000"/>
+              </a:schemeClr>
+            </a:gs>
+            <a:gs pos="100000">
+              <a:schemeClr val="phClr">
+                <a:lumMod val="99000"/>
+                <a:satMod val="120000"/>
+                <a:shade val="78000"/>
+              </a:schemeClr>
+            </a:gs>
+          </a:gsLst>
+          <a:lin ang="5400000" scaled="0"/>
+        </a:gradFill>
+      </a:fillStyleLst>
+      <a:lnStyleLst>
+        <a:ln w="6350" cap="flat" cmpd="sng" algn="ctr">
+          <a:solidFill>
+            <a:schemeClr val="phClr"/>
+          </a:solidFill>
+          <a:prstDash val="solid"/>
+          <a:miter lim="800000"/>
+        </a:ln>
+        <a:ln w="12700" cap="flat" cmpd="sng" algn="ctr">
+          <a:solidFill>
+            <a:schemeClr val="phClr"/>
+          </a:solidFill>
+          <a:prstDash val="solid"/>
+          <a:miter lim="800000"/>
+        </a:ln>
+        <a:ln w="19050" cap="flat" cmpd="sng" algn="ctr">
+          <a:solidFill>
+            <a:schemeClr val="phClr"/>
+          </a:solidFill>
+          <a:prstDash val="solid"/>
+          <a:miter lim="800000"/>
+        </a:ln>
+      </a:lnStyleLst>
+      <a:effectStyleLst>
+        <a:effectStyle>
+          <a:effectLst/>
+        </a:effectStyle>
+        <a:effectStyle>
+          <a:effectLst/>
+        </a:effectStyle>
+        <a:effectStyle>
+          <a:effectLst>
+            <a:outerShdw blurRad="57150" dist="19050" dir="5400000" algn="ctr" rotWithShape="0">
+              <a:srgbClr val="000000">
+                <a:alpha val="63000"/>
+              </a:srgbClr>
+            </a:outerShdw>
+          </a:effectLst>
+        </a:effectStyle>
+      </a:effectStyleLst>
+      <a:bgFillStyleLst>
+        <a:solidFill>
+          <a:schemeClr val="phClr"/>
+        </a:solidFill>
+        <a:solidFill>
+          <a:schemeClr val="phClr">
+            <a:tint val="95000"/>
+            <a:satMod val="170000"/>
+          </a:schemeClr>
+        </a:solidFill>
+        <a:gradFill rotWithShape="1">
+          <a:gsLst>
+            <a:gs pos="0">
+              <a:schemeClr val="phClr">
+                <a:tint val="93000"/>
+                <a:satMod val="150000"/>
+                <a:shade val="98000"/>
+                <a:lumMod val="102000"/>
+              </a:schemeClr>
+            </a:gs>
+            <a:gs pos="50000">
+              <a:schemeClr val="phClr">
+                <a:tint val="98000"/>
+                <a:satMod val="130000"/>
+                <a:shade val="90000"/>
+                <a:lumMod val="103000"/>
+              </a:schemeClr>
+            </a:gs>
+            <a:gs pos="100000">
+              <a:schemeClr val="phClr">
+                <a:shade val="63000"/>
+                <a:satMod val="120000"/>
+              </a:schemeClr>
+            </a:gs>
+          </a:gsLst>
+          <a:lin ang="5400000" scaled="0"/>
+        </a:gradFill>
+      </a:bgFillStyleLst>
+    </a:fmtScheme>
+  </a:themeElements>
   <a:extLst>
     <a:ext uri="{05A4C25C-085E-4340-85A3-A5531E510DB2}">
       <thm15:themeFamily xmlns:thm15="http://schemas.microsoft.com/office/thememl/2012/main" name="Office Theme" id="{62F939B6-93AF-4DB8-9C6B-D6C7DFDC589F}" vid="{4A3C46E8-61CC-4603-A589-7422A47A8E4A}"/>
